--- a/documentation/osehra-090214.pptx
+++ b/documentation/osehra-090214.pptx
@@ -164,6 +164,22 @@
       </a:defRPr>
     </a:lvl9pPr>
   </p:defaultTextStyle>
+  <p:extLst>
+    <p:ext uri="{EFAFB233-063F-42B5-8137-9DF3F51BA10A}">
+      <p15:sldGuideLst xmlns:p15="http://schemas.microsoft.com/office/powerpoint/2012/main">
+        <p15:guide id="1" orient="horz" pos="2160">
+          <p15:clr>
+            <a:srgbClr val="A4A3A4"/>
+          </p15:clr>
+        </p15:guide>
+        <p15:guide id="2" pos="2880">
+          <p15:clr>
+            <a:srgbClr val="A4A3A4"/>
+          </p15:clr>
+        </p15:guide>
+      </p15:sldGuideLst>
+    </p:ext>
+  </p:extLst>
 </p:presentation>
 </file>
 
@@ -278,7 +294,7 @@
               <a:pPr>
                 <a:defRPr/>
               </a:pPr>
-              <a:t>8/27/14</a:t>
+              <a:t>8/12/16</a:t>
             </a:fld>
             <a:endParaRPr lang="en-US"/>
           </a:p>
@@ -643,15 +659,15 @@
             <a:tailEnd/>
           </a:ln>
           <a:extLst>
-            <a:ext uri="{909E8E84-426E-40dd-AFC4-6F175D3DCCD1}">
-              <a14:hiddenFill xmlns:a14="http://schemas.microsoft.com/office/drawing/2010/main">
-                <a:solidFill>
-                  <a:srgbClr val="FFFFFF"/>
-                </a:solidFill>
-              </a14:hiddenFill>
-            </a:ext>
             <a:ext uri="{FAA26D3D-D897-4be2-8F04-BA451C77F1D7}">
               <ma14:placeholderFlag xmlns:ma14="http://schemas.microsoft.com/office/mac/drawingml/2011/main" val="1"/>
+            </a:ext>
+            <a:ext uri="{909E8E84-426E-40dd-AFC4-6F175D3DCCD1}">
+              <a14:hiddenFill xmlns:a14="http://schemas.microsoft.com/office/drawing/2010/main" xmlns="">
+                <a:solidFill>
+                  <a:srgbClr val="FFFFFF"/>
+                </a:solidFill>
+              </a14:hiddenFill>
             </a:ext>
           </a:extLst>
         </p:spPr>
@@ -670,14 +686,14 @@
           <a:noFill/>
           <a:extLst>
             <a:ext uri="{909E8E84-426E-40dd-AFC4-6F175D3DCCD1}">
-              <a14:hiddenFill xmlns:a14="http://schemas.microsoft.com/office/drawing/2010/main">
+              <a14:hiddenFill xmlns:a14="http://schemas.microsoft.com/office/drawing/2010/main" xmlns="">
                 <a:solidFill>
                   <a:srgbClr val="FFFFFF"/>
                 </a:solidFill>
               </a14:hiddenFill>
             </a:ext>
             <a:ext uri="{91240B29-F687-4f45-9708-019B960494DF}">
-              <a14:hiddenLine xmlns:a14="http://schemas.microsoft.com/office/drawing/2010/main" w="9525">
+              <a14:hiddenLine xmlns:a14="http://schemas.microsoft.com/office/drawing/2010/main" xmlns="" w="9525">
                 <a:solidFill>
                   <a:srgbClr val="000000"/>
                 </a:solidFill>
@@ -721,14 +737,14 @@
           <a:noFill/>
           <a:extLst>
             <a:ext uri="{909E8E84-426E-40dd-AFC4-6F175D3DCCD1}">
-              <a14:hiddenFill xmlns:a14="http://schemas.microsoft.com/office/drawing/2010/main">
+              <a14:hiddenFill xmlns:a14="http://schemas.microsoft.com/office/drawing/2010/main" xmlns="">
                 <a:solidFill>
                   <a:srgbClr val="FFFFFF"/>
                 </a:solidFill>
               </a14:hiddenFill>
             </a:ext>
             <a:ext uri="{91240B29-F687-4f45-9708-019B960494DF}">
-              <a14:hiddenLine xmlns:a14="http://schemas.microsoft.com/office/drawing/2010/main" w="9525">
+              <a14:hiddenLine xmlns:a14="http://schemas.microsoft.com/office/drawing/2010/main" xmlns="" w="9525">
                 <a:solidFill>
                   <a:srgbClr val="000000"/>
                 </a:solidFill>
@@ -879,6 +895,11 @@
         </p:txBody>
       </p:sp>
     </p:spTree>
+    <p:extLst>
+      <p:ext uri="{BB962C8B-B14F-4D97-AF65-F5344CB8AC3E}">
+        <p14:creationId xmlns:p14="http://schemas.microsoft.com/office/powerpoint/2010/main" val="1037862638"/>
+      </p:ext>
+    </p:extLst>
   </p:cSld>
   <p:clrMapOvr>
     <a:masterClrMapping/>
@@ -968,6 +989,11 @@
         </p:txBody>
       </p:sp>
     </p:spTree>
+    <p:extLst>
+      <p:ext uri="{BB962C8B-B14F-4D97-AF65-F5344CB8AC3E}">
+        <p14:creationId xmlns:p14="http://schemas.microsoft.com/office/powerpoint/2010/main" val="1495175932"/>
+      </p:ext>
+    </p:extLst>
   </p:cSld>
   <p:clrMapOvr>
     <a:masterClrMapping/>
@@ -1057,6 +1083,11 @@
         </p:txBody>
       </p:sp>
     </p:spTree>
+    <p:extLst>
+      <p:ext uri="{BB962C8B-B14F-4D97-AF65-F5344CB8AC3E}">
+        <p14:creationId xmlns:p14="http://schemas.microsoft.com/office/powerpoint/2010/main" val="1715735577"/>
+      </p:ext>
+    </p:extLst>
   </p:cSld>
   <p:clrMapOvr>
     <a:masterClrMapping/>
@@ -1539,15 +1570,15 @@
             <a:tailEnd/>
           </a:ln>
           <a:extLst>
-            <a:ext uri="{909E8E84-426E-40dd-AFC4-6F175D3DCCD1}">
-              <a14:hiddenFill xmlns:a14="http://schemas.microsoft.com/office/drawing/2010/main">
-                <a:solidFill>
-                  <a:srgbClr val="FFFFFF"/>
-                </a:solidFill>
-              </a14:hiddenFill>
-            </a:ext>
             <a:ext uri="{FAA26D3D-D897-4be2-8F04-BA451C77F1D7}">
               <ma14:placeholderFlag xmlns:ma14="http://schemas.microsoft.com/office/mac/drawingml/2011/main" val="1"/>
+            </a:ext>
+            <a:ext uri="{909E8E84-426E-40dd-AFC4-6F175D3DCCD1}">
+              <a14:hiddenFill xmlns:a14="http://schemas.microsoft.com/office/drawing/2010/main" xmlns="">
+                <a:solidFill>
+                  <a:srgbClr val="FFFFFF"/>
+                </a:solidFill>
+              </a14:hiddenFill>
             </a:ext>
           </a:extLst>
         </p:spPr>
@@ -1565,15 +1596,18 @@
         <p:spPr bwMode="auto">
           <a:noFill/>
           <a:extLst>
+            <a:ext uri="{FAA26D3D-D897-4be2-8F04-BA451C77F1D7}">
+              <ma14:placeholderFlag xmlns:ma14="http://schemas.microsoft.com/office/mac/drawingml/2011/main" val="1"/>
+            </a:ext>
             <a:ext uri="{909E8E84-426E-40dd-AFC4-6F175D3DCCD1}">
-              <a14:hiddenFill xmlns:a14="http://schemas.microsoft.com/office/drawing/2010/main">
+              <a14:hiddenFill xmlns:a14="http://schemas.microsoft.com/office/drawing/2010/main" xmlns="">
                 <a:solidFill>
                   <a:srgbClr val="FFFFFF"/>
                 </a:solidFill>
               </a14:hiddenFill>
             </a:ext>
             <a:ext uri="{91240B29-F687-4f45-9708-019B960494DF}">
-              <a14:hiddenLine xmlns:a14="http://schemas.microsoft.com/office/drawing/2010/main" w="9525">
+              <a14:hiddenLine xmlns:a14="http://schemas.microsoft.com/office/drawing/2010/main" xmlns="" w="9525">
                 <a:solidFill>
                   <a:srgbClr val="000000"/>
                 </a:solidFill>
@@ -1581,9 +1615,6 @@
                 <a:headEnd/>
                 <a:tailEnd/>
               </a14:hiddenLine>
-            </a:ext>
-            <a:ext uri="{FAA26D3D-D897-4be2-8F04-BA451C77F1D7}">
-              <ma14:placeholderFlag xmlns:ma14="http://schemas.microsoft.com/office/mac/drawingml/2011/main" val="1"/>
             </a:ext>
           </a:extLst>
         </p:spPr>
@@ -1631,6 +1662,11 @@
         </p:txBody>
       </p:sp>
     </p:spTree>
+    <p:extLst>
+      <p:ext uri="{BB962C8B-B14F-4D97-AF65-F5344CB8AC3E}">
+        <p14:creationId xmlns:p14="http://schemas.microsoft.com/office/powerpoint/2010/main" val="1920014889"/>
+      </p:ext>
+    </p:extLst>
   </p:cSld>
   <p:clrMapOvr>
     <a:masterClrMapping/>
@@ -1676,15 +1712,15 @@
             <a:tailEnd/>
           </a:ln>
           <a:extLst>
-            <a:ext uri="{909E8E84-426E-40dd-AFC4-6F175D3DCCD1}">
-              <a14:hiddenFill xmlns:a14="http://schemas.microsoft.com/office/drawing/2010/main">
-                <a:solidFill>
-                  <a:srgbClr val="FFFFFF"/>
-                </a:solidFill>
-              </a14:hiddenFill>
-            </a:ext>
             <a:ext uri="{FAA26D3D-D897-4be2-8F04-BA451C77F1D7}">
               <ma14:placeholderFlag xmlns:ma14="http://schemas.microsoft.com/office/mac/drawingml/2011/main" val="1"/>
+            </a:ext>
+            <a:ext uri="{909E8E84-426E-40dd-AFC4-6F175D3DCCD1}">
+              <a14:hiddenFill xmlns:a14="http://schemas.microsoft.com/office/drawing/2010/main" xmlns="">
+                <a:solidFill>
+                  <a:srgbClr val="FFFFFF"/>
+                </a:solidFill>
+              </a14:hiddenFill>
             </a:ext>
           </a:extLst>
         </p:spPr>
@@ -1703,14 +1739,14 @@
           <a:noFill/>
           <a:extLst>
             <a:ext uri="{909E8E84-426E-40dd-AFC4-6F175D3DCCD1}">
-              <a14:hiddenFill xmlns:a14="http://schemas.microsoft.com/office/drawing/2010/main">
+              <a14:hiddenFill xmlns:a14="http://schemas.microsoft.com/office/drawing/2010/main" xmlns="">
                 <a:solidFill>
                   <a:srgbClr val="FFFFFF"/>
                 </a:solidFill>
               </a14:hiddenFill>
             </a:ext>
             <a:ext uri="{91240B29-F687-4f45-9708-019B960494DF}">
-              <a14:hiddenLine xmlns:a14="http://schemas.microsoft.com/office/drawing/2010/main" w="9525">
+              <a14:hiddenLine xmlns:a14="http://schemas.microsoft.com/office/drawing/2010/main" xmlns="" w="9525">
                 <a:solidFill>
                   <a:srgbClr val="000000"/>
                 </a:solidFill>
@@ -1757,14 +1793,14 @@
           <a:noFill/>
           <a:extLst>
             <a:ext uri="{909E8E84-426E-40dd-AFC4-6F175D3DCCD1}">
-              <a14:hiddenFill xmlns:a14="http://schemas.microsoft.com/office/drawing/2010/main">
+              <a14:hiddenFill xmlns:a14="http://schemas.microsoft.com/office/drawing/2010/main" xmlns="">
                 <a:solidFill>
                   <a:srgbClr val="FFFFFF"/>
                 </a:solidFill>
               </a14:hiddenFill>
             </a:ext>
             <a:ext uri="{91240B29-F687-4f45-9708-019B960494DF}">
-              <a14:hiddenLine xmlns:a14="http://schemas.microsoft.com/office/drawing/2010/main" w="9525">
+              <a14:hiddenLine xmlns:a14="http://schemas.microsoft.com/office/drawing/2010/main" xmlns="" w="9525">
                 <a:solidFill>
                   <a:srgbClr val="000000"/>
                 </a:solidFill>
@@ -1915,6 +1951,11 @@
         </p:txBody>
       </p:sp>
     </p:spTree>
+    <p:extLst>
+      <p:ext uri="{BB962C8B-B14F-4D97-AF65-F5344CB8AC3E}">
+        <p14:creationId xmlns:p14="http://schemas.microsoft.com/office/powerpoint/2010/main" val="1600959601"/>
+      </p:ext>
+    </p:extLst>
   </p:cSld>
   <p:clrMapOvr>
     <a:masterClrMapping/>
@@ -2113,7 +2154,7 @@
               <a:pPr>
                 <a:defRPr/>
               </a:pPr>
-              <a:t>8/27/14</a:t>
+              <a:t>8/12/16</a:t>
             </a:fld>
             <a:endParaRPr lang="en-US"/>
           </a:p>
@@ -2310,7 +2351,7 @@
               <a:pPr>
                 <a:defRPr/>
               </a:pPr>
-              <a:t>8/27/14</a:t>
+              <a:t>8/12/16</a:t>
             </a:fld>
             <a:endParaRPr lang="en-US"/>
           </a:p>
@@ -2517,7 +2558,7 @@
               <a:pPr>
                 <a:defRPr/>
               </a:pPr>
-              <a:t>8/27/14</a:t>
+              <a:t>8/12/16</a:t>
             </a:fld>
             <a:endParaRPr lang="en-US"/>
           </a:p>
@@ -2714,7 +2755,7 @@
               <a:pPr>
                 <a:defRPr/>
               </a:pPr>
-              <a:t>8/27/14</a:t>
+              <a:t>8/12/16</a:t>
             </a:fld>
             <a:endParaRPr lang="en-US"/>
           </a:p>
@@ -2987,7 +3028,7 @@
               <a:pPr>
                 <a:defRPr/>
               </a:pPr>
-              <a:t>8/27/14</a:t>
+              <a:t>8/12/16</a:t>
             </a:fld>
             <a:endParaRPr lang="en-US"/>
           </a:p>
@@ -3302,7 +3343,7 @@
               <a:pPr>
                 <a:defRPr/>
               </a:pPr>
-              <a:t>8/27/14</a:t>
+              <a:t>8/12/16</a:t>
             </a:fld>
             <a:endParaRPr lang="en-US"/>
           </a:p>
@@ -3751,7 +3792,7 @@
               <a:pPr>
                 <a:defRPr/>
               </a:pPr>
-              <a:t>8/27/14</a:t>
+              <a:t>8/12/16</a:t>
             </a:fld>
             <a:endParaRPr lang="en-US"/>
           </a:p>
@@ -3896,7 +3937,7 @@
               <a:pPr>
                 <a:defRPr/>
               </a:pPr>
-              <a:t>8/27/14</a:t>
+              <a:t>8/12/16</a:t>
             </a:fld>
             <a:endParaRPr lang="en-US"/>
           </a:p>
@@ -4018,7 +4059,7 @@
               <a:pPr>
                 <a:defRPr/>
               </a:pPr>
-              <a:t>8/27/14</a:t>
+              <a:t>8/12/16</a:t>
             </a:fld>
             <a:endParaRPr lang="en-US"/>
           </a:p>
@@ -4322,7 +4363,7 @@
               <a:pPr>
                 <a:defRPr/>
               </a:pPr>
-              <a:t>8/27/14</a:t>
+              <a:t>8/12/16</a:t>
             </a:fld>
             <a:endParaRPr lang="en-US"/>
           </a:p>
@@ -4605,7 +4646,7 @@
               <a:pPr>
                 <a:defRPr/>
               </a:pPr>
-              <a:t>8/27/14</a:t>
+              <a:t>8/12/16</a:t>
             </a:fld>
             <a:endParaRPr lang="en-US"/>
           </a:p>
@@ -4746,15 +4787,18 @@
             <a:noFill/>
           </a:ln>
           <a:extLst>
+            <a:ext uri="{FAA26D3D-D897-4be2-8F04-BA451C77F1D7}">
+              <ma14:placeholderFlag xmlns:ma14="http://schemas.microsoft.com/office/mac/drawingml/2011/main" val="1"/>
+            </a:ext>
             <a:ext uri="{909E8E84-426E-40dd-AFC4-6F175D3DCCD1}">
-              <a14:hiddenFill xmlns:a14="http://schemas.microsoft.com/office/drawing/2010/main">
+              <a14:hiddenFill xmlns:a14="http://schemas.microsoft.com/office/drawing/2010/main" xmlns="">
                 <a:solidFill>
                   <a:srgbClr val="FFFFFF"/>
                 </a:solidFill>
               </a14:hiddenFill>
             </a:ext>
             <a:ext uri="{91240B29-F687-4f45-9708-019B960494DF}">
-              <a14:hiddenLine xmlns:a14="http://schemas.microsoft.com/office/drawing/2010/main" w="9525">
+              <a14:hiddenLine xmlns:a14="http://schemas.microsoft.com/office/drawing/2010/main" xmlns="" w="9525">
                 <a:solidFill>
                   <a:srgbClr val="000000"/>
                 </a:solidFill>
@@ -4762,9 +4806,6 @@
                 <a:headEnd/>
                 <a:tailEnd/>
               </a14:hiddenLine>
-            </a:ext>
-            <a:ext uri="{FAA26D3D-D897-4be2-8F04-BA451C77F1D7}">
-              <ma14:placeholderFlag xmlns:ma14="http://schemas.microsoft.com/office/mac/drawingml/2011/main" val="1"/>
             </a:ext>
           </a:extLst>
         </p:spPr>
@@ -4807,15 +4848,18 @@
             <a:noFill/>
           </a:ln>
           <a:extLst>
+            <a:ext uri="{FAA26D3D-D897-4be2-8F04-BA451C77F1D7}">
+              <ma14:placeholderFlag xmlns:ma14="http://schemas.microsoft.com/office/mac/drawingml/2011/main" val="1"/>
+            </a:ext>
             <a:ext uri="{909E8E84-426E-40dd-AFC4-6F175D3DCCD1}">
-              <a14:hiddenFill xmlns:a14="http://schemas.microsoft.com/office/drawing/2010/main">
+              <a14:hiddenFill xmlns:a14="http://schemas.microsoft.com/office/drawing/2010/main" xmlns="">
                 <a:solidFill>
                   <a:srgbClr val="FFFFFF"/>
                 </a:solidFill>
               </a14:hiddenFill>
             </a:ext>
             <a:ext uri="{91240B29-F687-4f45-9708-019B960494DF}">
-              <a14:hiddenLine xmlns:a14="http://schemas.microsoft.com/office/drawing/2010/main" w="9525">
+              <a14:hiddenLine xmlns:a14="http://schemas.microsoft.com/office/drawing/2010/main" xmlns="" w="9525">
                 <a:solidFill>
                   <a:srgbClr val="000000"/>
                 </a:solidFill>
@@ -4823,9 +4867,6 @@
                 <a:headEnd/>
                 <a:tailEnd/>
               </a14:hiddenLine>
-            </a:ext>
-            <a:ext uri="{FAA26D3D-D897-4be2-8F04-BA451C77F1D7}">
-              <ma14:placeholderFlag xmlns:ma14="http://schemas.microsoft.com/office/mac/drawingml/2011/main" val="1"/>
             </a:ext>
           </a:extLst>
         </p:spPr>
@@ -4923,7 +4964,7 @@
               <a:pPr>
                 <a:defRPr/>
               </a:pPr>
-              <a:t>8/27/14</a:t>
+              <a:t>8/12/16</a:t>
             </a:fld>
             <a:endParaRPr lang="en-US"/>
           </a:p>
@@ -5500,14 +5541,14 @@
           </a:ln>
           <a:extLst>
             <a:ext uri="{909E8E84-426E-40dd-AFC4-6F175D3DCCD1}">
-              <a14:hiddenFill xmlns:a14="http://schemas.microsoft.com/office/drawing/2010/main">
+              <a14:hiddenFill xmlns:a14="http://schemas.microsoft.com/office/drawing/2010/main" xmlns="">
                 <a:solidFill>
                   <a:srgbClr val="FFFFFF"/>
                 </a:solidFill>
               </a14:hiddenFill>
             </a:ext>
             <a:ext uri="{91240B29-F687-4f45-9708-019B960494DF}">
-              <a14:hiddenLine xmlns:a14="http://schemas.microsoft.com/office/drawing/2010/main" w="9525">
+              <a14:hiddenLine xmlns:a14="http://schemas.microsoft.com/office/drawing/2010/main" xmlns="" w="9525">
                 <a:solidFill>
                   <a:srgbClr val="000000"/>
                 </a:solidFill>
@@ -5652,14 +5693,14 @@
           </a:ln>
           <a:extLst>
             <a:ext uri="{909E8E84-426E-40dd-AFC4-6F175D3DCCD1}">
-              <a14:hiddenFill xmlns:a14="http://schemas.microsoft.com/office/drawing/2010/main">
+              <a14:hiddenFill xmlns:a14="http://schemas.microsoft.com/office/drawing/2010/main" xmlns="">
                 <a:solidFill>
                   <a:srgbClr val="FFFFFF"/>
                 </a:solidFill>
               </a14:hiddenFill>
             </a:ext>
             <a:ext uri="{91240B29-F687-4f45-9708-019B960494DF}">
-              <a14:hiddenLine xmlns:a14="http://schemas.microsoft.com/office/drawing/2010/main" w="9525">
+              <a14:hiddenLine xmlns:a14="http://schemas.microsoft.com/office/drawing/2010/main" xmlns="" w="9525">
                 <a:solidFill>
                   <a:srgbClr val="000000"/>
                 </a:solidFill>
@@ -5679,7 +5720,7 @@
   <p:timing>
     <p:tnLst>
       <p:par>
-        <p:cTn xmlns:p14="http://schemas.microsoft.com/office/powerpoint/2010/main" id="1" dur="indefinite" restart="never" nodeType="tmRoot"/>
+        <p:cTn id="1" dur="indefinite" restart="never" nodeType="tmRoot"/>
       </p:par>
     </p:tnLst>
   </p:timing>
@@ -8314,11 +8355,11 @@
   <p:clrMapOvr>
     <a:masterClrMapping/>
   </p:clrMapOvr>
-  <p:transition xmlns:p14="http://schemas.microsoft.com/office/powerpoint/2010/main" spd="slow"/>
+  <p:transition spd="slow"/>
   <p:timing>
     <p:tnLst>
       <p:par>
-        <p:cTn xmlns:p14="http://schemas.microsoft.com/office/powerpoint/2010/main" id="1" dur="indefinite" restart="never" nodeType="tmRoot"/>
+        <p:cTn id="1" dur="indefinite" restart="never" nodeType="tmRoot"/>
       </p:par>
     </p:tnLst>
   </p:timing>
@@ -10265,11 +10306,11 @@
   <p:clrMapOvr>
     <a:masterClrMapping/>
   </p:clrMapOvr>
-  <p:transition xmlns:p14="http://schemas.microsoft.com/office/powerpoint/2010/main" spd="slow"/>
+  <p:transition spd="slow"/>
   <p:timing>
     <p:tnLst>
       <p:par>
-        <p:cTn xmlns:p14="http://schemas.microsoft.com/office/powerpoint/2010/main" id="1" dur="indefinite" restart="never" nodeType="tmRoot"/>
+        <p:cTn id="1" dur="indefinite" restart="never" nodeType="tmRoot"/>
       </p:par>
     </p:tnLst>
   </p:timing>
@@ -10342,15 +10383,7 @@
           <a:p>
             <a:r>
               <a:rPr lang="en-US" dirty="0" smtClean="0"/>
-              <a:t>Uses Medsphere RPC Broker for authentication,  </a:t>
-            </a:r>
-            <a:r>
-              <a:rPr lang="en-US" dirty="0" smtClean="0"/>
-              <a:t>event and </a:t>
-            </a:r>
-            <a:r>
-              <a:rPr lang="en-US" dirty="0" smtClean="0"/>
-              <a:t>messaging services</a:t>
+              <a:t>Uses Medsphere RPC Broker for authentication,  event and messaging services</a:t>
             </a:r>
           </a:p>
           <a:p>
@@ -10364,29 +10397,18 @@
               <a:rPr lang="en-US" dirty="0" smtClean="0"/>
               <a:t>Serialization Support (JSON)</a:t>
             </a:r>
-            <a:endParaRPr lang="en-US" dirty="0" smtClean="0"/>
           </a:p>
           <a:p>
             <a:r>
               <a:rPr lang="en-US" dirty="0" smtClean="0"/>
-              <a:t>FHIR API </a:t>
-            </a:r>
+              <a:t>FHIR API (XML)</a:t>
+            </a:r>
+          </a:p>
+          <a:p>
             <a:r>
               <a:rPr lang="en-US" dirty="0" smtClean="0"/>
-              <a:t>(XML)</a:t>
-            </a:r>
-            <a:endParaRPr lang="en-US" dirty="0" smtClean="0"/>
-          </a:p>
-          <a:p>
-            <a:r>
-              <a:rPr lang="en-US" dirty="0" smtClean="0"/>
-              <a:t>SMART </a:t>
-            </a:r>
-            <a:r>
-              <a:rPr lang="en-US" dirty="0" smtClean="0"/>
-              <a:t>API (RDF)</a:t>
-            </a:r>
-            <a:endParaRPr lang="en-US" dirty="0" smtClean="0"/>
+              <a:t>SMART API (RDF)</a:t>
+            </a:r>
           </a:p>
           <a:p>
             <a:endParaRPr lang="en-US" dirty="0"/>
@@ -10796,14 +10818,14 @@
           </a:ln>
           <a:extLst>
             <a:ext uri="{909E8E84-426E-40dd-AFC4-6F175D3DCCD1}">
-              <a14:hiddenFill xmlns:a14="http://schemas.microsoft.com/office/drawing/2010/main">
+              <a14:hiddenFill xmlns:a14="http://schemas.microsoft.com/office/drawing/2010/main" xmlns="">
                 <a:solidFill>
                   <a:srgbClr val="FFFFFF"/>
                 </a:solidFill>
               </a14:hiddenFill>
             </a:ext>
             <a:ext uri="{91240B29-F687-4f45-9708-019B960494DF}">
-              <a14:hiddenLine xmlns:a14="http://schemas.microsoft.com/office/drawing/2010/main" w="9525">
+              <a14:hiddenLine xmlns:a14="http://schemas.microsoft.com/office/drawing/2010/main" xmlns="" w="9525">
                 <a:solidFill>
                   <a:srgbClr val="000000"/>
                 </a:solidFill>
@@ -10972,7 +10994,7 @@
   <p:timing>
     <p:tnLst>
       <p:par>
-        <p:cTn xmlns:p14="http://schemas.microsoft.com/office/powerpoint/2010/main" id="1" dur="indefinite" restart="never" nodeType="tmRoot">
+        <p:cTn id="1" dur="indefinite" restart="never" nodeType="tmRoot">
           <p:childTnLst>
             <p:seq concurrent="1" nextAc="seek">
               <p:cTn id="2" dur="indefinite" nodeType="mainSeq">
@@ -11237,14 +11259,14 @@
           <a:effectLst/>
           <a:extLst>
             <a:ext uri="{909E8E84-426E-40dd-AFC4-6F175D3DCCD1}">
-              <a14:hiddenFill xmlns:a14="http://schemas.microsoft.com/office/drawing/2010/main">
+              <a14:hiddenFill xmlns:a14="http://schemas.microsoft.com/office/drawing/2010/main" xmlns="">
                 <a:solidFill>
                   <a:schemeClr val="accent1"/>
                 </a:solidFill>
               </a14:hiddenFill>
             </a:ext>
             <a:ext uri="{91240B29-F687-4f45-9708-019B960494DF}">
-              <a14:hiddenLine xmlns:a14="http://schemas.microsoft.com/office/drawing/2010/main" w="9525">
+              <a14:hiddenLine xmlns:a14="http://schemas.microsoft.com/office/drawing/2010/main" xmlns="" w="9525">
                 <a:solidFill>
                   <a:schemeClr val="tx1"/>
                 </a:solidFill>
@@ -11254,7 +11276,7 @@
               </a14:hiddenLine>
             </a:ext>
             <a:ext uri="{AF507438-7753-43e0-B8FC-AC1667EBCBE1}">
-              <a14:hiddenEffects xmlns:a14="http://schemas.microsoft.com/office/drawing/2010/main">
+              <a14:hiddenEffects xmlns:a14="http://schemas.microsoft.com/office/drawing/2010/main" xmlns="">
                 <a:effectLst>
                   <a:outerShdw blurRad="63500" dist="38099" dir="2700000" algn="ctr" rotWithShape="0">
                     <a:schemeClr val="bg2">
@@ -11322,14 +11344,14 @@
           <a:effectLst/>
           <a:extLst>
             <a:ext uri="{909E8E84-426E-40dd-AFC4-6F175D3DCCD1}">
-              <a14:hiddenFill xmlns:a14="http://schemas.microsoft.com/office/drawing/2010/main">
+              <a14:hiddenFill xmlns:a14="http://schemas.microsoft.com/office/drawing/2010/main" xmlns="">
                 <a:solidFill>
                   <a:schemeClr val="accent1"/>
                 </a:solidFill>
               </a14:hiddenFill>
             </a:ext>
             <a:ext uri="{91240B29-F687-4f45-9708-019B960494DF}">
-              <a14:hiddenLine xmlns:a14="http://schemas.microsoft.com/office/drawing/2010/main" w="9525">
+              <a14:hiddenLine xmlns:a14="http://schemas.microsoft.com/office/drawing/2010/main" xmlns="" w="9525">
                 <a:solidFill>
                   <a:schemeClr val="tx1"/>
                 </a:solidFill>
@@ -11339,7 +11361,7 @@
               </a14:hiddenLine>
             </a:ext>
             <a:ext uri="{AF507438-7753-43e0-B8FC-AC1667EBCBE1}">
-              <a14:hiddenEffects xmlns:a14="http://schemas.microsoft.com/office/drawing/2010/main">
+              <a14:hiddenEffects xmlns:a14="http://schemas.microsoft.com/office/drawing/2010/main" xmlns="">
                 <a:effectLst>
                   <a:outerShdw blurRad="63500" dist="38099" dir="2700000" algn="ctr" rotWithShape="0">
                     <a:schemeClr val="bg2">
@@ -11558,19 +11580,7 @@
               <a:rPr lang="en-US" sz="2000" b="1" dirty="0" smtClean="0">
                 <a:latin typeface="Times New Roman" charset="0"/>
               </a:rPr>
-              <a:t>Supports </a:t>
-            </a:r>
-            <a:r>
-              <a:rPr lang="en-US" sz="2000" b="1" dirty="0" smtClean="0">
-                <a:latin typeface="Times New Roman" charset="0"/>
-              </a:rPr>
-              <a:t>composable UI </a:t>
-            </a:r>
-            <a:r>
-              <a:rPr lang="en-US" sz="2000" b="1" dirty="0" smtClean="0">
-                <a:latin typeface="Times New Roman" charset="0"/>
-              </a:rPr>
-              <a:t>layouts</a:t>
+              <a:t>Supports composable UI layouts</a:t>
             </a:r>
           </a:p>
           <a:p>
@@ -11612,13 +11622,7 @@
               <a:rPr lang="en-US" sz="2000" b="1" dirty="0" smtClean="0">
                 <a:latin typeface="Times New Roman" charset="0"/>
               </a:rPr>
-              <a:t>Promotes collaborative </a:t>
-            </a:r>
-            <a:r>
-              <a:rPr lang="en-US" sz="2000" b="1" dirty="0" smtClean="0">
-                <a:latin typeface="Times New Roman" charset="0"/>
-              </a:rPr>
-              <a:t>development</a:t>
+              <a:t>Promotes collaborative development</a:t>
             </a:r>
           </a:p>
         </p:txBody>
@@ -11636,7 +11640,7 @@
   <p:timing>
     <p:tnLst>
       <p:par>
-        <p:cTn xmlns:p14="http://schemas.microsoft.com/office/powerpoint/2010/main" id="1" dur="indefinite" restart="never" nodeType="tmRoot"/>
+        <p:cTn id="1" dur="indefinite" restart="never" nodeType="tmRoot"/>
       </p:par>
     </p:tnLst>
   </p:timing>
@@ -11683,14 +11687,14 @@
           <a:effectLst/>
           <a:extLst>
             <a:ext uri="{909E8E84-426E-40dd-AFC4-6F175D3DCCD1}">
-              <a14:hiddenFill xmlns:a14="http://schemas.microsoft.com/office/drawing/2010/main">
+              <a14:hiddenFill xmlns:a14="http://schemas.microsoft.com/office/drawing/2010/main" xmlns="">
                 <a:solidFill>
                   <a:schemeClr val="accent1"/>
                 </a:solidFill>
               </a14:hiddenFill>
             </a:ext>
             <a:ext uri="{91240B29-F687-4f45-9708-019B960494DF}">
-              <a14:hiddenLine xmlns:a14="http://schemas.microsoft.com/office/drawing/2010/main" w="9525">
+              <a14:hiddenLine xmlns:a14="http://schemas.microsoft.com/office/drawing/2010/main" xmlns="" w="9525">
                 <a:solidFill>
                   <a:schemeClr val="tx1"/>
                 </a:solidFill>
@@ -11700,7 +11704,7 @@
               </a14:hiddenLine>
             </a:ext>
             <a:ext uri="{AF507438-7753-43e0-B8FC-AC1667EBCBE1}">
-              <a14:hiddenEffects xmlns:a14="http://schemas.microsoft.com/office/drawing/2010/main">
+              <a14:hiddenEffects xmlns:a14="http://schemas.microsoft.com/office/drawing/2010/main" xmlns="">
                 <a:effectLst>
                   <a:outerShdw blurRad="63500" dist="38099" dir="2700000" algn="ctr" rotWithShape="0">
                     <a:schemeClr val="bg2">
@@ -11757,14 +11761,14 @@
           <a:effectLst/>
           <a:extLst>
             <a:ext uri="{909E8E84-426E-40dd-AFC4-6F175D3DCCD1}">
-              <a14:hiddenFill xmlns:a14="http://schemas.microsoft.com/office/drawing/2010/main">
+              <a14:hiddenFill xmlns:a14="http://schemas.microsoft.com/office/drawing/2010/main" xmlns="">
                 <a:solidFill>
                   <a:schemeClr val="accent1"/>
                 </a:solidFill>
               </a14:hiddenFill>
             </a:ext>
             <a:ext uri="{91240B29-F687-4f45-9708-019B960494DF}">
-              <a14:hiddenLine xmlns:a14="http://schemas.microsoft.com/office/drawing/2010/main" w="9525">
+              <a14:hiddenLine xmlns:a14="http://schemas.microsoft.com/office/drawing/2010/main" xmlns="" w="9525">
                 <a:solidFill>
                   <a:schemeClr val="tx1"/>
                 </a:solidFill>
@@ -11774,7 +11778,7 @@
               </a14:hiddenLine>
             </a:ext>
             <a:ext uri="{AF507438-7753-43e0-B8FC-AC1667EBCBE1}">
-              <a14:hiddenEffects xmlns:a14="http://schemas.microsoft.com/office/drawing/2010/main">
+              <a14:hiddenEffects xmlns:a14="http://schemas.microsoft.com/office/drawing/2010/main" xmlns="">
                 <a:effectLst>
                   <a:outerShdw blurRad="63500" dist="38099" dir="2700000" algn="ctr" rotWithShape="0">
                     <a:schemeClr val="bg2">
@@ -12576,7 +12580,7 @@
   <p:timing>
     <p:tnLst>
       <p:par>
-        <p:cTn xmlns:p14="http://schemas.microsoft.com/office/powerpoint/2010/main" id="1" dur="indefinite" restart="never" nodeType="tmRoot"/>
+        <p:cTn id="1" dur="indefinite" restart="never" nodeType="tmRoot"/>
       </p:par>
     </p:tnLst>
   </p:timing>
@@ -12732,7 +12736,7 @@
   <p:timing>
     <p:tnLst>
       <p:par>
-        <p:cTn xmlns:p14="http://schemas.microsoft.com/office/powerpoint/2010/main" id="1" dur="indefinite" restart="never" nodeType="tmRoot"/>
+        <p:cTn id="1" dur="indefinite" restart="never" nodeType="tmRoot"/>
       </p:par>
     </p:tnLst>
   </p:timing>
@@ -12864,7 +12868,7 @@
   <p:timing>
     <p:tnLst>
       <p:par>
-        <p:cTn xmlns:p14="http://schemas.microsoft.com/office/powerpoint/2010/main" id="1" dur="indefinite" restart="never" nodeType="tmRoot"/>
+        <p:cTn id="1" dur="indefinite" restart="never" nodeType="tmRoot"/>
       </p:par>
     </p:tnLst>
   </p:timing>
@@ -13009,7 +13013,7 @@
   <p:timing>
     <p:tnLst>
       <p:par>
-        <p:cTn xmlns:p14="http://schemas.microsoft.com/office/powerpoint/2010/main" id="1" dur="indefinite" restart="never" nodeType="tmRoot"/>
+        <p:cTn id="1" dur="indefinite" restart="never" nodeType="tmRoot"/>
       </p:par>
     </p:tnLst>
   </p:timing>
@@ -13183,7 +13187,7 @@
   <p:timing>
     <p:tnLst>
       <p:par>
-        <p:cTn xmlns:p14="http://schemas.microsoft.com/office/powerpoint/2010/main" id="1" dur="indefinite" restart="never" nodeType="tmRoot"/>
+        <p:cTn id="1" dur="indefinite" restart="never" nodeType="tmRoot"/>
       </p:par>
     </p:tnLst>
   </p:timing>
